--- a/BAH-Hackathon.pptx
+++ b/BAH-Hackathon.pptx
@@ -9,7 +9,9 @@
     <p:sldId id="261" r:id="rId6"/>
     <p:sldId id="260" r:id="rId7"/>
     <p:sldId id="257" r:id="rId8"/>
-    <p:sldId id="258" r:id="rId9"/>
+    <p:sldId id="262" r:id="rId9"/>
+    <p:sldId id="263" r:id="rId10"/>
+    <p:sldId id="258" r:id="rId11"/>
   </p:sldIdLst>
   <p:sldSz cx="12192000" cy="6858000"/>
   <p:notesSz cx="6858000" cy="9144000"/>
@@ -119,7 +121,9 @@
 <file path=ppt/revisionInfo.xml><?xml version="1.0" encoding="utf-8"?>
 <p1510:revInfo xmlns:a="http://schemas.openxmlformats.org/drawingml/2006/main" xmlns:r="http://schemas.openxmlformats.org/officeDocument/2006/relationships" xmlns:p1510="http://schemas.microsoft.com/office/powerpoint/2015/10/main">
   <p1510:revLst>
-    <p1510:client id="{42B9399C-ED19-4278-B0C0-55CA9E1A7E74}" v="5" dt="2025-06-04T04:42:30.268"/>
+    <p1510:client id="{42B9399C-ED19-4278-B0C0-55CA9E1A7E74}" v="6" dt="2025-06-04T04:46:24.445"/>
+    <p1510:client id="{E15549BD-68EE-A148-4A30-83BFA47F593C}" v="55" dt="2025-06-04T10:59:53.437"/>
+    <p1510:client id="{E7F11880-124A-969A-FCD2-6045302AB46C}" v="240" dt="2025-06-04T08:02:06.603"/>
   </p1510:revLst>
 </p1510:revInfo>
 </file>
@@ -129,7 +133,7 @@
   <pc:docChgLst>
     <pc:chgData name="Lynn, Bri [USA]" userId="f8233e40-40d5-4c14-8525-6a2949782780" providerId="ADAL" clId="{42B9399C-ED19-4278-B0C0-55CA9E1A7E74}"/>
     <pc:docChg chg="undo custSel addSld delSld modSld">
-      <pc:chgData name="Lynn, Bri [USA]" userId="f8233e40-40d5-4c14-8525-6a2949782780" providerId="ADAL" clId="{42B9399C-ED19-4278-B0C0-55CA9E1A7E74}" dt="2025-06-04T04:44:24.473" v="1022" actId="114"/>
+      <pc:chgData name="Lynn, Bri [USA]" userId="f8233e40-40d5-4c14-8525-6a2949782780" providerId="ADAL" clId="{42B9399C-ED19-4278-B0C0-55CA9E1A7E74}" dt="2025-06-04T10:22:59.947" v="1088" actId="1035"/>
       <pc:docMkLst>
         <pc:docMk/>
       </pc:docMkLst>
@@ -180,7 +184,7 @@
         </pc:spChg>
       </pc:sldChg>
       <pc:sldChg chg="modSp add mod">
-        <pc:chgData name="Lynn, Bri [USA]" userId="f8233e40-40d5-4c14-8525-6a2949782780" providerId="ADAL" clId="{42B9399C-ED19-4278-B0C0-55CA9E1A7E74}" dt="2025-06-04T04:44:24.473" v="1022" actId="114"/>
+        <pc:chgData name="Lynn, Bri [USA]" userId="f8233e40-40d5-4c14-8525-6a2949782780" providerId="ADAL" clId="{42B9399C-ED19-4278-B0C0-55CA9E1A7E74}" dt="2025-06-04T10:22:59.947" v="1088" actId="1035"/>
         <pc:sldMkLst>
           <pc:docMk/>
           <pc:sldMk cId="2247121487" sldId="258"/>
@@ -194,7 +198,7 @@
           </ac:spMkLst>
         </pc:spChg>
         <pc:spChg chg="mod">
-          <ac:chgData name="Lynn, Bri [USA]" userId="f8233e40-40d5-4c14-8525-6a2949782780" providerId="ADAL" clId="{42B9399C-ED19-4278-B0C0-55CA9E1A7E74}" dt="2025-06-04T04:44:24.473" v="1022" actId="114"/>
+          <ac:chgData name="Lynn, Bri [USA]" userId="f8233e40-40d5-4c14-8525-6a2949782780" providerId="ADAL" clId="{42B9399C-ED19-4278-B0C0-55CA9E1A7E74}" dt="2025-06-04T10:22:59.947" v="1088" actId="1035"/>
           <ac:spMkLst>
             <pc:docMk/>
             <pc:sldMk cId="2247121487" sldId="258"/>
@@ -260,6 +264,163 @@
             <pc:docMk/>
             <pc:sldMk cId="523765280" sldId="261"/>
             <ac:spMk id="3" creationId="{E87B36E3-B3EC-BD22-84B3-48C3CB24EDC7}"/>
+          </ac:spMkLst>
+        </pc:spChg>
+      </pc:sldChg>
+    </pc:docChg>
+  </pc:docChgLst>
+  <pc:docChgLst>
+    <pc:chgData name="Toth, Csaba [USA]" userId="S::642818@bah.com::faf0cd3c-da26-4c50-bf37-ef49ee85974a" providerId="AD" clId="Web-{E15549BD-68EE-A148-4A30-83BFA47F593C}"/>
+    <pc:docChg chg="addSld modSld">
+      <pc:chgData name="Toth, Csaba [USA]" userId="S::642818@bah.com::faf0cd3c-da26-4c50-bf37-ef49ee85974a" providerId="AD" clId="Web-{E15549BD-68EE-A148-4A30-83BFA47F593C}" dt="2025-06-04T10:59:53.437" v="48" actId="1076"/>
+      <pc:docMkLst>
+        <pc:docMk/>
+      </pc:docMkLst>
+      <pc:sldChg chg="addSp delSp modSp">
+        <pc:chgData name="Toth, Csaba [USA]" userId="S::642818@bah.com::faf0cd3c-da26-4c50-bf37-ef49ee85974a" providerId="AD" clId="Web-{E15549BD-68EE-A148-4A30-83BFA47F593C}" dt="2025-06-04T10:59:53.437" v="48" actId="1076"/>
+        <pc:sldMkLst>
+          <pc:docMk/>
+          <pc:sldMk cId="3830451028" sldId="257"/>
+        </pc:sldMkLst>
+        <pc:spChg chg="mod">
+          <ac:chgData name="Toth, Csaba [USA]" userId="S::642818@bah.com::faf0cd3c-da26-4c50-bf37-ef49ee85974a" providerId="AD" clId="Web-{E15549BD-68EE-A148-4A30-83BFA47F593C}" dt="2025-06-04T10:48:51.320" v="8" actId="20577"/>
+          <ac:spMkLst>
+            <pc:docMk/>
+            <pc:sldMk cId="3830451028" sldId="257"/>
+            <ac:spMk id="2" creationId="{411B4677-7D18-5312-22A7-995ABA9AD28C}"/>
+          </ac:spMkLst>
+        </pc:spChg>
+        <pc:picChg chg="add mod">
+          <ac:chgData name="Toth, Csaba [USA]" userId="S::642818@bah.com::faf0cd3c-da26-4c50-bf37-ef49ee85974a" providerId="AD" clId="Web-{E15549BD-68EE-A148-4A30-83BFA47F593C}" dt="2025-06-04T10:59:53.437" v="48" actId="1076"/>
+          <ac:picMkLst>
+            <pc:docMk/>
+            <pc:sldMk cId="3830451028" sldId="257"/>
+            <ac:picMk id="3" creationId="{D567A01D-D4CB-F5EA-17B9-A0ACBAF37752}"/>
+          </ac:picMkLst>
+        </pc:picChg>
+        <pc:picChg chg="del">
+          <ac:chgData name="Toth, Csaba [USA]" userId="S::642818@bah.com::faf0cd3c-da26-4c50-bf37-ef49ee85974a" providerId="AD" clId="Web-{E15549BD-68EE-A148-4A30-83BFA47F593C}" dt="2025-06-04T10:59:39.311" v="44"/>
+          <ac:picMkLst>
+            <pc:docMk/>
+            <pc:sldMk cId="3830451028" sldId="257"/>
+            <ac:picMk id="4" creationId="{1A3E04DA-E452-D5AC-103D-3013990C8655}"/>
+          </ac:picMkLst>
+        </pc:picChg>
+      </pc:sldChg>
+      <pc:sldChg chg="addSp delSp modSp add replId">
+        <pc:chgData name="Toth, Csaba [USA]" userId="S::642818@bah.com::faf0cd3c-da26-4c50-bf37-ef49ee85974a" providerId="AD" clId="Web-{E15549BD-68EE-A148-4A30-83BFA47F593C}" dt="2025-06-04T10:58:51.778" v="43" actId="1076"/>
+        <pc:sldMkLst>
+          <pc:docMk/>
+          <pc:sldMk cId="1667774349" sldId="262"/>
+        </pc:sldMkLst>
+        <pc:spChg chg="mod">
+          <ac:chgData name="Toth, Csaba [USA]" userId="S::642818@bah.com::faf0cd3c-da26-4c50-bf37-ef49ee85974a" providerId="AD" clId="Web-{E15549BD-68EE-A148-4A30-83BFA47F593C}" dt="2025-06-04T10:49:03.961" v="19" actId="20577"/>
+          <ac:spMkLst>
+            <pc:docMk/>
+            <pc:sldMk cId="1667774349" sldId="262"/>
+            <ac:spMk id="2" creationId="{F0E7C4DD-C49C-C3AA-FD31-A626B4790D4E}"/>
+          </ac:spMkLst>
+        </pc:spChg>
+        <pc:picChg chg="add del mod">
+          <ac:chgData name="Toth, Csaba [USA]" userId="S::642818@bah.com::faf0cd3c-da26-4c50-bf37-ef49ee85974a" providerId="AD" clId="Web-{E15549BD-68EE-A148-4A30-83BFA47F593C}" dt="2025-06-04T10:58:35.074" v="37"/>
+          <ac:picMkLst>
+            <pc:docMk/>
+            <pc:sldMk cId="1667774349" sldId="262"/>
+            <ac:picMk id="3" creationId="{65BF56A1-7878-B63D-E513-B2D0B754511E}"/>
+          </ac:picMkLst>
+        </pc:picChg>
+        <pc:picChg chg="del">
+          <ac:chgData name="Toth, Csaba [USA]" userId="S::642818@bah.com::faf0cd3c-da26-4c50-bf37-ef49ee85974a" providerId="AD" clId="Web-{E15549BD-68EE-A148-4A30-83BFA47F593C}" dt="2025-06-04T10:49:07.774" v="20"/>
+          <ac:picMkLst>
+            <pc:docMk/>
+            <pc:sldMk cId="1667774349" sldId="262"/>
+            <ac:picMk id="4" creationId="{A3A8E07D-47F9-B568-0EED-637A59A818CC}"/>
+          </ac:picMkLst>
+        </pc:picChg>
+        <pc:picChg chg="add mod">
+          <ac:chgData name="Toth, Csaba [USA]" userId="S::642818@bah.com::faf0cd3c-da26-4c50-bf37-ef49ee85974a" providerId="AD" clId="Web-{E15549BD-68EE-A148-4A30-83BFA47F593C}" dt="2025-06-04T10:58:51.778" v="43" actId="1076"/>
+          <ac:picMkLst>
+            <pc:docMk/>
+            <pc:sldMk cId="1667774349" sldId="262"/>
+            <ac:picMk id="5" creationId="{77C104E3-5154-67B0-B557-2C4BD7BAF143}"/>
+          </ac:picMkLst>
+        </pc:picChg>
+      </pc:sldChg>
+      <pc:sldChg chg="addSp delSp modSp add replId">
+        <pc:chgData name="Toth, Csaba [USA]" userId="S::642818@bah.com::faf0cd3c-da26-4c50-bf37-ef49ee85974a" providerId="AD" clId="Web-{E15549BD-68EE-A148-4A30-83BFA47F593C}" dt="2025-06-04T10:58:04.105" v="36" actId="1076"/>
+        <pc:sldMkLst>
+          <pc:docMk/>
+          <pc:sldMk cId="1293830937" sldId="263"/>
+        </pc:sldMkLst>
+        <pc:spChg chg="mod">
+          <ac:chgData name="Toth, Csaba [USA]" userId="S::642818@bah.com::faf0cd3c-da26-4c50-bf37-ef49ee85974a" providerId="AD" clId="Web-{E15549BD-68EE-A148-4A30-83BFA47F593C}" dt="2025-06-04T10:56:41.852" v="31" actId="20577"/>
+          <ac:spMkLst>
+            <pc:docMk/>
+            <pc:sldMk cId="1293830937" sldId="263"/>
+            <ac:spMk id="2" creationId="{6DE88429-548B-F539-BCDF-02AE02EB7A82}"/>
+          </ac:spMkLst>
+        </pc:spChg>
+        <pc:picChg chg="del">
+          <ac:chgData name="Toth, Csaba [USA]" userId="S::642818@bah.com::faf0cd3c-da26-4c50-bf37-ef49ee85974a" providerId="AD" clId="Web-{E15549BD-68EE-A148-4A30-83BFA47F593C}" dt="2025-06-04T10:56:44.680" v="32"/>
+          <ac:picMkLst>
+            <pc:docMk/>
+            <pc:sldMk cId="1293830937" sldId="263"/>
+            <ac:picMk id="3" creationId="{342F5AA9-85AE-3427-5CD1-52FAAB5340C3}"/>
+          </ac:picMkLst>
+        </pc:picChg>
+        <pc:picChg chg="add mod">
+          <ac:chgData name="Toth, Csaba [USA]" userId="S::642818@bah.com::faf0cd3c-da26-4c50-bf37-ef49ee85974a" providerId="AD" clId="Web-{E15549BD-68EE-A148-4A30-83BFA47F593C}" dt="2025-06-04T10:58:04.105" v="36" actId="1076"/>
+          <ac:picMkLst>
+            <pc:docMk/>
+            <pc:sldMk cId="1293830937" sldId="263"/>
+            <ac:picMk id="4" creationId="{600793C2-0186-7AA9-43CD-DA2970662DB4}"/>
+          </ac:picMkLst>
+        </pc:picChg>
+      </pc:sldChg>
+    </pc:docChg>
+  </pc:docChgLst>
+  <pc:docChgLst>
+    <pc:chgData name="Toth, Csaba [USA]" userId="S::642818@bah.com::faf0cd3c-da26-4c50-bf37-ef49ee85974a" providerId="AD" clId="Web-{E7F11880-124A-969A-FCD2-6045302AB46C}"/>
+    <pc:docChg chg="modSld">
+      <pc:chgData name="Toth, Csaba [USA]" userId="S::642818@bah.com::faf0cd3c-da26-4c50-bf37-ef49ee85974a" providerId="AD" clId="Web-{E7F11880-124A-969A-FCD2-6045302AB46C}" dt="2025-06-04T08:02:06.603" v="243" actId="1076"/>
+      <pc:docMkLst>
+        <pc:docMk/>
+      </pc:docMkLst>
+      <pc:sldChg chg="addSp delSp modSp">
+        <pc:chgData name="Toth, Csaba [USA]" userId="S::642818@bah.com::faf0cd3c-da26-4c50-bf37-ef49ee85974a" providerId="AD" clId="Web-{E7F11880-124A-969A-FCD2-6045302AB46C}" dt="2025-06-04T08:02:06.603" v="243" actId="1076"/>
+        <pc:sldMkLst>
+          <pc:docMk/>
+          <pc:sldMk cId="3830451028" sldId="257"/>
+        </pc:sldMkLst>
+        <pc:picChg chg="add del mod">
+          <ac:chgData name="Toth, Csaba [USA]" userId="S::642818@bah.com::faf0cd3c-da26-4c50-bf37-ef49ee85974a" providerId="AD" clId="Web-{E7F11880-124A-969A-FCD2-6045302AB46C}" dt="2025-06-04T08:01:51.024" v="239"/>
+          <ac:picMkLst>
+            <pc:docMk/>
+            <pc:sldMk cId="3830451028" sldId="257"/>
+            <ac:picMk id="3" creationId="{0DD77460-B6BC-94B8-2733-9E43B1AC946D}"/>
+          </ac:picMkLst>
+        </pc:picChg>
+        <pc:picChg chg="add mod">
+          <ac:chgData name="Toth, Csaba [USA]" userId="S::642818@bah.com::faf0cd3c-da26-4c50-bf37-ef49ee85974a" providerId="AD" clId="Web-{E7F11880-124A-969A-FCD2-6045302AB46C}" dt="2025-06-04T08:02:06.603" v="243" actId="1076"/>
+          <ac:picMkLst>
+            <pc:docMk/>
+            <pc:sldMk cId="3830451028" sldId="257"/>
+            <ac:picMk id="4" creationId="{1A3E04DA-E452-D5AC-103D-3013990C8655}"/>
+          </ac:picMkLst>
+        </pc:picChg>
+      </pc:sldChg>
+      <pc:sldChg chg="modSp">
+        <pc:chgData name="Toth, Csaba [USA]" userId="S::642818@bah.com::faf0cd3c-da26-4c50-bf37-ef49ee85974a" providerId="AD" clId="Web-{E7F11880-124A-969A-FCD2-6045302AB46C}" dt="2025-06-04T07:41:39.748" v="232" actId="20577"/>
+        <pc:sldMkLst>
+          <pc:docMk/>
+          <pc:sldMk cId="2247121487" sldId="258"/>
+        </pc:sldMkLst>
+        <pc:spChg chg="mod">
+          <ac:chgData name="Toth, Csaba [USA]" userId="S::642818@bah.com::faf0cd3c-da26-4c50-bf37-ef49ee85974a" providerId="AD" clId="Web-{E7F11880-124A-969A-FCD2-6045302AB46C}" dt="2025-06-04T07:41:39.748" v="232" actId="20577"/>
+          <ac:spMkLst>
+            <pc:docMk/>
+            <pc:sldMk cId="2247121487" sldId="258"/>
+            <ac:spMk id="3" creationId="{BB270152-3EFE-5DD5-236D-C20E751EA9A0}"/>
           </ac:spMkLst>
         </pc:spChg>
       </pc:sldChg>
@@ -770,7 +931,7 @@
           <a:p>
             <a:fld id="{A4A80881-A18D-4055-94A9-5E45233E945E}" type="datetimeFigureOut">
               <a:rPr lang="en-US" smtClean="0"/>
-              <a:t>6/3/2025</a:t>
+              <a:t>6/4/2025</a:t>
             </a:fld>
             <a:endParaRPr lang="en-US"/>
           </a:p>
@@ -1066,7 +1227,7 @@
           <a:p>
             <a:fld id="{A4A80881-A18D-4055-94A9-5E45233E945E}" type="datetimeFigureOut">
               <a:rPr lang="en-US" smtClean="0"/>
-              <a:t>6/3/2025</a:t>
+              <a:t>6/4/2025</a:t>
             </a:fld>
             <a:endParaRPr lang="en-US"/>
           </a:p>
@@ -1314,7 +1475,7 @@
           <a:p>
             <a:fld id="{A4A80881-A18D-4055-94A9-5E45233E945E}" type="datetimeFigureOut">
               <a:rPr lang="en-US" smtClean="0"/>
-              <a:t>6/3/2025</a:t>
+              <a:t>6/4/2025</a:t>
             </a:fld>
             <a:endParaRPr lang="en-US"/>
           </a:p>
@@ -1854,7 +2015,7 @@
           <a:p>
             <a:fld id="{A4A80881-A18D-4055-94A9-5E45233E945E}" type="datetimeFigureOut">
               <a:rPr lang="en-US" smtClean="0"/>
-              <a:t>6/3/2025</a:t>
+              <a:t>6/4/2025</a:t>
             </a:fld>
             <a:endParaRPr lang="en-US"/>
           </a:p>
@@ -2102,7 +2263,7 @@
           <a:p>
             <a:fld id="{A4A80881-A18D-4055-94A9-5E45233E945E}" type="datetimeFigureOut">
               <a:rPr lang="en-US" smtClean="0"/>
-              <a:t>6/3/2025</a:t>
+              <a:t>6/4/2025</a:t>
             </a:fld>
             <a:endParaRPr lang="en-US"/>
           </a:p>
@@ -2634,7 +2795,7 @@
           <a:p>
             <a:fld id="{A4A80881-A18D-4055-94A9-5E45233E945E}" type="datetimeFigureOut">
               <a:rPr lang="en-US" smtClean="0"/>
-              <a:t>6/3/2025</a:t>
+              <a:t>6/4/2025</a:t>
             </a:fld>
             <a:endParaRPr lang="en-US"/>
           </a:p>
@@ -2931,7 +3092,7 @@
           <a:p>
             <a:fld id="{A4A80881-A18D-4055-94A9-5E45233E945E}" type="datetimeFigureOut">
               <a:rPr lang="en-US" smtClean="0"/>
-              <a:t>6/3/2025</a:t>
+              <a:t>6/4/2025</a:t>
             </a:fld>
             <a:endParaRPr lang="en-US"/>
           </a:p>
@@ -3105,7 +3266,7 @@
           <a:p>
             <a:fld id="{A4A80881-A18D-4055-94A9-5E45233E945E}" type="datetimeFigureOut">
               <a:rPr lang="en-US" smtClean="0"/>
-              <a:t>6/3/2025</a:t>
+              <a:t>6/4/2025</a:t>
             </a:fld>
             <a:endParaRPr lang="en-US"/>
           </a:p>
@@ -3285,7 +3446,7 @@
           <a:p>
             <a:fld id="{A4A80881-A18D-4055-94A9-5E45233E945E}" type="datetimeFigureOut">
               <a:rPr lang="en-US" smtClean="0"/>
-              <a:t>6/3/2025</a:t>
+              <a:t>6/4/2025</a:t>
             </a:fld>
             <a:endParaRPr lang="en-US"/>
           </a:p>
@@ -3455,7 +3616,7 @@
           <a:p>
             <a:fld id="{A4A80881-A18D-4055-94A9-5E45233E945E}" type="datetimeFigureOut">
               <a:rPr lang="en-US" smtClean="0"/>
-              <a:t>6/3/2025</a:t>
+              <a:t>6/4/2025</a:t>
             </a:fld>
             <a:endParaRPr lang="en-US"/>
           </a:p>
@@ -3706,7 +3867,7 @@
           <a:p>
             <a:fld id="{A4A80881-A18D-4055-94A9-5E45233E945E}" type="datetimeFigureOut">
               <a:rPr lang="en-US" smtClean="0"/>
-              <a:t>6/3/2025</a:t>
+              <a:t>6/4/2025</a:t>
             </a:fld>
             <a:endParaRPr lang="en-US"/>
           </a:p>
@@ -4003,7 +4164,7 @@
           <a:p>
             <a:fld id="{A4A80881-A18D-4055-94A9-5E45233E945E}" type="datetimeFigureOut">
               <a:rPr lang="en-US" smtClean="0"/>
-              <a:t>6/3/2025</a:t>
+              <a:t>6/4/2025</a:t>
             </a:fld>
             <a:endParaRPr lang="en-US"/>
           </a:p>
@@ -4445,7 +4606,7 @@
           <a:p>
             <a:fld id="{A4A80881-A18D-4055-94A9-5E45233E945E}" type="datetimeFigureOut">
               <a:rPr lang="en-US" smtClean="0"/>
-              <a:t>6/3/2025</a:t>
+              <a:t>6/4/2025</a:t>
             </a:fld>
             <a:endParaRPr lang="en-US"/>
           </a:p>
@@ -4563,7 +4724,7 @@
           <a:p>
             <a:fld id="{A4A80881-A18D-4055-94A9-5E45233E945E}" type="datetimeFigureOut">
               <a:rPr lang="en-US" smtClean="0"/>
-              <a:t>6/3/2025</a:t>
+              <a:t>6/4/2025</a:t>
             </a:fld>
             <a:endParaRPr lang="en-US"/>
           </a:p>
@@ -4658,7 +4819,7 @@
           <a:p>
             <a:fld id="{A4A80881-A18D-4055-94A9-5E45233E945E}" type="datetimeFigureOut">
               <a:rPr lang="en-US" smtClean="0"/>
-              <a:t>6/3/2025</a:t>
+              <a:t>6/4/2025</a:t>
             </a:fld>
             <a:endParaRPr lang="en-US"/>
           </a:p>
@@ -4941,7 +5102,7 @@
           <a:p>
             <a:fld id="{A4A80881-A18D-4055-94A9-5E45233E945E}" type="datetimeFigureOut">
               <a:rPr lang="en-US" smtClean="0"/>
-              <a:t>6/3/2025</a:t>
+              <a:t>6/4/2025</a:t>
             </a:fld>
             <a:endParaRPr lang="en-US"/>
           </a:p>
@@ -5232,7 +5393,7 @@
           <a:p>
             <a:fld id="{A4A80881-A18D-4055-94A9-5E45233E945E}" type="datetimeFigureOut">
               <a:rPr lang="en-US" smtClean="0"/>
-              <a:t>6/3/2025</a:t>
+              <a:t>6/4/2025</a:t>
             </a:fld>
             <a:endParaRPr lang="en-US"/>
           </a:p>
@@ -5767,7 +5928,7 @@
           <a:p>
             <a:fld id="{A4A80881-A18D-4055-94A9-5E45233E945E}" type="datetimeFigureOut">
               <a:rPr lang="en-US" smtClean="0"/>
-              <a:t>6/3/2025</a:t>
+              <a:t>6/4/2025</a:t>
             </a:fld>
             <a:endParaRPr lang="en-US"/>
           </a:p>
@@ -6666,11 +6827,41 @@
           <a:p>
             <a:r>
               <a:rPr lang="en-US" dirty="0"/>
-              <a:t>Architecture</a:t>
-            </a:r>
-          </a:p>
-        </p:txBody>
-      </p:sp>
+              <a:t>Architecture: Dashboard Agent</a:t>
+            </a:r>
+          </a:p>
+        </p:txBody>
+      </p:sp>
+      <p:pic>
+        <p:nvPicPr>
+          <p:cNvPr id="3" name="Picture 2" descr="A diagram of a process">
+            <a:extLst>
+              <a:ext uri="{FF2B5EF4-FFF2-40B4-BE49-F238E27FC236}">
+                <a16:creationId xmlns:a16="http://schemas.microsoft.com/office/drawing/2014/main" id="{D567A01D-D4CB-F5EA-17B9-A0ACBAF37752}"/>
+              </a:ext>
+            </a:extLst>
+          </p:cNvPr>
+          <p:cNvPicPr>
+            <a:picLocks noChangeAspect="1"/>
+          </p:cNvPicPr>
+          <p:nvPr/>
+        </p:nvPicPr>
+        <p:blipFill>
+          <a:blip r:embed="rId2"/>
+          <a:stretch>
+            <a:fillRect/>
+          </a:stretch>
+        </p:blipFill>
+        <p:spPr>
+          <a:xfrm>
+            <a:off x="2454937" y="1953087"/>
+            <a:ext cx="8081117" cy="4579399"/>
+          </a:xfrm>
+          <a:prstGeom prst="rect">
+            <a:avLst/>
+          </a:prstGeom>
+        </p:spPr>
+      </p:pic>
     </p:spTree>
     <p:extLst>
       <p:ext uri="{BB962C8B-B14F-4D97-AF65-F5344CB8AC3E}">
@@ -6689,6 +6880,194 @@
   <p:cSld>
     <p:spTree>
       <p:nvGrpSpPr>
+        <p:cNvPr id="1" name="">
+          <a:extLst>
+            <a:ext uri="{FF2B5EF4-FFF2-40B4-BE49-F238E27FC236}">
+              <a16:creationId xmlns:a16="http://schemas.microsoft.com/office/drawing/2014/main" id="{32F48A00-8F2D-6258-FD9A-C6080EB51BE0}"/>
+            </a:ext>
+          </a:extLst>
+        </p:cNvPr>
+        <p:cNvGrpSpPr/>
+        <p:nvPr/>
+      </p:nvGrpSpPr>
+      <p:grpSpPr>
+        <a:xfrm>
+          <a:off x="0" y="0"/>
+          <a:ext cx="0" cy="0"/>
+          <a:chOff x="0" y="0"/>
+          <a:chExt cx="0" cy="0"/>
+        </a:xfrm>
+      </p:grpSpPr>
+      <p:sp>
+        <p:nvSpPr>
+          <p:cNvPr id="2" name="Title 1">
+            <a:extLst>
+              <a:ext uri="{FF2B5EF4-FFF2-40B4-BE49-F238E27FC236}">
+                <a16:creationId xmlns:a16="http://schemas.microsoft.com/office/drawing/2014/main" id="{F0E7C4DD-C49C-C3AA-FD31-A626B4790D4E}"/>
+              </a:ext>
+            </a:extLst>
+          </p:cNvPr>
+          <p:cNvSpPr>
+            <a:spLocks noGrp="1"/>
+          </p:cNvSpPr>
+          <p:nvPr>
+            <p:ph type="title"/>
+          </p:nvPr>
+        </p:nvSpPr>
+        <p:spPr/>
+        <p:txBody>
+          <a:bodyPr/>
+          <a:lstStyle/>
+          <a:p>
+            <a:r>
+              <a:rPr lang="en-US" dirty="0"/>
+              <a:t>Architecture: Strategy Generator Agent</a:t>
+            </a:r>
+          </a:p>
+        </p:txBody>
+      </p:sp>
+      <p:pic>
+        <p:nvPicPr>
+          <p:cNvPr id="5" name="Picture 4" descr="A diagram of a strategy">
+            <a:extLst>
+              <a:ext uri="{FF2B5EF4-FFF2-40B4-BE49-F238E27FC236}">
+                <a16:creationId xmlns:a16="http://schemas.microsoft.com/office/drawing/2014/main" id="{77C104E3-5154-67B0-B557-2C4BD7BAF143}"/>
+              </a:ext>
+            </a:extLst>
+          </p:cNvPr>
+          <p:cNvPicPr>
+            <a:picLocks noChangeAspect="1"/>
+          </p:cNvPicPr>
+          <p:nvPr/>
+        </p:nvPicPr>
+        <p:blipFill>
+          <a:blip r:embed="rId2"/>
+          <a:stretch>
+            <a:fillRect/>
+          </a:stretch>
+        </p:blipFill>
+        <p:spPr>
+          <a:xfrm>
+            <a:off x="3751264" y="2101048"/>
+            <a:ext cx="5488462" cy="4446234"/>
+          </a:xfrm>
+          <a:prstGeom prst="rect">
+            <a:avLst/>
+          </a:prstGeom>
+        </p:spPr>
+      </p:pic>
+    </p:spTree>
+    <p:extLst>
+      <p:ext uri="{BB962C8B-B14F-4D97-AF65-F5344CB8AC3E}">
+        <p14:creationId xmlns:p14="http://schemas.microsoft.com/office/powerpoint/2010/main" val="1667774349"/>
+      </p:ext>
+    </p:extLst>
+  </p:cSld>
+  <p:clrMapOvr>
+    <a:masterClrMapping/>
+  </p:clrMapOvr>
+</p:sld>
+</file>
+
+<file path=ppt/slides/slide6.xml><?xml version="1.0" encoding="utf-8"?>
+<p:sld xmlns:a="http://schemas.openxmlformats.org/drawingml/2006/main" xmlns:r="http://schemas.openxmlformats.org/officeDocument/2006/relationships" xmlns:p="http://schemas.openxmlformats.org/presentationml/2006/main">
+  <p:cSld>
+    <p:spTree>
+      <p:nvGrpSpPr>
+        <p:cNvPr id="1" name="">
+          <a:extLst>
+            <a:ext uri="{FF2B5EF4-FFF2-40B4-BE49-F238E27FC236}">
+              <a16:creationId xmlns:a16="http://schemas.microsoft.com/office/drawing/2014/main" id="{A4D11E53-EF97-1D71-B349-B092FD3B3F2E}"/>
+            </a:ext>
+          </a:extLst>
+        </p:cNvPr>
+        <p:cNvGrpSpPr/>
+        <p:nvPr/>
+      </p:nvGrpSpPr>
+      <p:grpSpPr>
+        <a:xfrm>
+          <a:off x="0" y="0"/>
+          <a:ext cx="0" cy="0"/>
+          <a:chOff x="0" y="0"/>
+          <a:chExt cx="0" cy="0"/>
+        </a:xfrm>
+      </p:grpSpPr>
+      <p:sp>
+        <p:nvSpPr>
+          <p:cNvPr id="2" name="Title 1">
+            <a:extLst>
+              <a:ext uri="{FF2B5EF4-FFF2-40B4-BE49-F238E27FC236}">
+                <a16:creationId xmlns:a16="http://schemas.microsoft.com/office/drawing/2014/main" id="{6DE88429-548B-F539-BCDF-02AE02EB7A82}"/>
+              </a:ext>
+            </a:extLst>
+          </p:cNvPr>
+          <p:cNvSpPr>
+            <a:spLocks noGrp="1"/>
+          </p:cNvSpPr>
+          <p:nvPr>
+            <p:ph type="title"/>
+          </p:nvPr>
+        </p:nvSpPr>
+        <p:spPr/>
+        <p:txBody>
+          <a:bodyPr/>
+          <a:lstStyle/>
+          <a:p>
+            <a:r>
+              <a:rPr lang="en-US" dirty="0"/>
+              <a:t>Architecture: Policy Draft Generator Agent</a:t>
+            </a:r>
+          </a:p>
+        </p:txBody>
+      </p:sp>
+      <p:pic>
+        <p:nvPicPr>
+          <p:cNvPr id="4" name="Picture 3" descr="A diagram of a draft generator">
+            <a:extLst>
+              <a:ext uri="{FF2B5EF4-FFF2-40B4-BE49-F238E27FC236}">
+                <a16:creationId xmlns:a16="http://schemas.microsoft.com/office/drawing/2014/main" id="{600793C2-0186-7AA9-43CD-DA2970662DB4}"/>
+              </a:ext>
+            </a:extLst>
+          </p:cNvPr>
+          <p:cNvPicPr>
+            <a:picLocks noChangeAspect="1"/>
+          </p:cNvPicPr>
+          <p:nvPr/>
+        </p:nvPicPr>
+        <p:blipFill>
+          <a:blip r:embed="rId2"/>
+          <a:stretch>
+            <a:fillRect/>
+          </a:stretch>
+        </p:blipFill>
+        <p:spPr>
+          <a:xfrm>
+            <a:off x="3328982" y="2308194"/>
+            <a:ext cx="5534038" cy="4165107"/>
+          </a:xfrm>
+          <a:prstGeom prst="rect">
+            <a:avLst/>
+          </a:prstGeom>
+        </p:spPr>
+      </p:pic>
+    </p:spTree>
+    <p:extLst>
+      <p:ext uri="{BB962C8B-B14F-4D97-AF65-F5344CB8AC3E}">
+        <p14:creationId xmlns:p14="http://schemas.microsoft.com/office/powerpoint/2010/main" val="1293830937"/>
+      </p:ext>
+    </p:extLst>
+  </p:cSld>
+  <p:clrMapOvr>
+    <a:masterClrMapping/>
+  </p:clrMapOvr>
+</p:sld>
+</file>
+
+<file path=ppt/slides/slide7.xml><?xml version="1.0" encoding="utf-8"?>
+<p:sld xmlns:a="http://schemas.openxmlformats.org/drawingml/2006/main" xmlns:r="http://schemas.openxmlformats.org/officeDocument/2006/relationships" xmlns:p="http://schemas.openxmlformats.org/presentationml/2006/main">
+  <p:cSld>
+    <p:spTree>
+      <p:nvGrpSpPr>
         <p:cNvPr id="1" name=""/>
         <p:cNvGrpSpPr/>
         <p:nvPr/>
@@ -6745,9 +7124,16 @@
             <p:ph idx="1"/>
           </p:nvPr>
         </p:nvSpPr>
-        <p:spPr/>
-        <p:txBody>
-          <a:bodyPr/>
+        <p:spPr>
+          <a:xfrm>
+            <a:off x="1484310" y="2041837"/>
+            <a:ext cx="10018713" cy="4169865"/>
+          </a:xfrm>
+        </p:spPr>
+        <p:txBody>
+          <a:bodyPr>
+            <a:normAutofit lnSpcReduction="10000"/>
+          </a:bodyPr>
           <a:lstStyle/>
           <a:p>
             <a:r>
@@ -6790,46 +7176,118 @@
             </a:r>
             <a:r>
               <a:rPr lang="en-US" dirty="0"/>
-              <a:t> Agent</a:t>
-            </a:r>
-          </a:p>
-          <a:p>
+              <a:t> Agentic workflows, </a:t>
+            </a:r>
+            <a:r>
+              <a:rPr lang="en-US" dirty="0" err="1"/>
+              <a:t>ReAct</a:t>
+            </a:r>
+            <a:r>
+              <a:rPr lang="en-US" dirty="0"/>
+              <a:t> agents, </a:t>
+            </a:r>
+            <a:r>
+              <a:rPr lang="en-US" dirty="0" err="1"/>
+              <a:t>FastMCP</a:t>
+            </a:r>
+            <a:r>
+              <a:rPr lang="en-US" dirty="0"/>
+              <a:t> server tools</a:t>
+            </a:r>
+          </a:p>
+          <a:p>
+            <a:pPr lvl="1">
+              <a:buClr>
+                <a:srgbClr val="1287C3"/>
+              </a:buClr>
+              <a:buFont typeface="Courier New"/>
+              <a:buChar char="o"/>
+            </a:pPr>
+            <a:r>
+              <a:rPr lang="en-US" dirty="0"/>
+              <a:t>Claude 4 extended thinking mode, beta File API use</a:t>
+            </a:r>
+          </a:p>
+          <a:p>
+            <a:pPr lvl="1">
+              <a:buClr>
+                <a:srgbClr val="1287C3"/>
+              </a:buClr>
+              <a:buFont typeface="Courier New"/>
+              <a:buChar char="o"/>
+            </a:pPr>
+            <a:r>
+              <a:rPr lang="en-US" dirty="0"/>
+              <a:t>Observability: </a:t>
+            </a:r>
+            <a:r>
+              <a:rPr lang="en-US" dirty="0" err="1"/>
+              <a:t>LangFuse</a:t>
+            </a:r>
             <a:endParaRPr lang="en-US" dirty="0"/>
           </a:p>
           <a:p>
-            <a:r>
-              <a:rPr lang="en-US" i="1" dirty="0"/>
+            <a:pPr lvl="1">
+              <a:buClr>
+                <a:srgbClr val="1287C3"/>
+              </a:buClr>
+              <a:buFont typeface="Courier New"/>
+              <a:buChar char="o"/>
+            </a:pPr>
+            <a:r>
+              <a:rPr lang="en-US" dirty="0"/>
+              <a:t>Checkpointing and memory: PostgreSQL</a:t>
+            </a:r>
+          </a:p>
+          <a:p>
+            <a:pPr lvl="1">
+              <a:buClr>
+                <a:srgbClr val="1287C3"/>
+              </a:buClr>
+              <a:buFont typeface="Courier New"/>
+              <a:buChar char="o"/>
+            </a:pPr>
+            <a:endParaRPr lang="en-US" dirty="0"/>
+          </a:p>
+          <a:p>
+            <a:pPr marL="0" indent="0">
+              <a:buNone/>
+            </a:pPr>
+            <a:r>
+              <a:rPr lang="en-US" sz="2000" i="1" dirty="0"/>
               <a:t>GitHub:</a:t>
             </a:r>
             <a:r>
-              <a:rPr lang="en-US" dirty="0"/>
+              <a:rPr lang="en-US" sz="2000" dirty="0"/>
               <a:t> </a:t>
             </a:r>
             <a:r>
-              <a:rPr lang="en-US" dirty="0">
+              <a:rPr lang="en-US" sz="2000" dirty="0">
                 <a:hlinkClick r:id="rId2"/>
               </a:rPr>
               <a:t>https://github.com/bah-scsp-hackathon-2025/public-health-app</a:t>
             </a:r>
-            <a:endParaRPr lang="en-US" dirty="0"/>
-          </a:p>
-          <a:p>
-            <a:r>
-              <a:rPr lang="en-US" i="1" dirty="0"/>
+            <a:endParaRPr lang="en-US" sz="2000" dirty="0"/>
+          </a:p>
+          <a:p>
+            <a:pPr marL="0" indent="0">
+              <a:buNone/>
+            </a:pPr>
+            <a:r>
+              <a:rPr lang="en-US" sz="2000" i="1" dirty="0"/>
               <a:t>Slides:</a:t>
             </a:r>
             <a:r>
-              <a:rPr lang="en-US" dirty="0"/>
-              <a:t> &lt;</a:t>
-            </a:r>
-            <a:r>
-              <a:rPr lang="en-US" dirty="0" err="1"/>
-              <a:t>github</a:t>
-            </a:r>
-            <a:r>
-              <a:rPr lang="en-US" dirty="0"/>
-              <a:t>&gt;</a:t>
-            </a:r>
+              <a:rPr lang="en-US" sz="2000" dirty="0"/>
+              <a:t> </a:t>
+            </a:r>
+            <a:r>
+              <a:rPr lang="en-US" sz="2000" dirty="0">
+                <a:hlinkClick r:id="rId3"/>
+              </a:rPr>
+              <a:t>https://github.com/bah-scsp-hackathon-2025/public-health-app/blob/main/BAH-Hackathon.pptx</a:t>
+            </a:r>
+            <a:endParaRPr lang="en-US" sz="2000" dirty="0"/>
           </a:p>
         </p:txBody>
       </p:sp>
@@ -7103,6 +7561,15 @@
 </file>
 
 <file path=customXml/item1.xml><?xml version="1.0" encoding="utf-8"?>
+<?mso-contentType ?>
+<FormTemplates xmlns="http://schemas.microsoft.com/sharepoint/v3/contenttype/forms">
+  <Display>DocumentLibraryForm</Display>
+  <Edit>DocumentLibraryForm</Edit>
+  <New>DocumentLibraryForm</New>
+</FormTemplates>
+</file>
+
+<file path=customXml/item2.xml><?xml version="1.0" encoding="utf-8"?>
 <ct:contentTypeSchema xmlns:ct="http://schemas.microsoft.com/office/2006/metadata/contentType" xmlns:ma="http://schemas.microsoft.com/office/2006/metadata/properties/metaAttributes" ct:_="" ma:_="" ma:contentTypeName="Document" ma:contentTypeID="0x01010001129183E676844C97FCA5BC7F26B41F" ma:contentTypeVersion="18" ma:contentTypeDescription="Create a new document." ma:contentTypeScope="" ma:versionID="78cbdd4ef415c6e4fbaee3c208efec8f">
   <xsd:schema xmlns:xsd="http://www.w3.org/2001/XMLSchema" xmlns:xs="http://www.w3.org/2001/XMLSchema" xmlns:p="http://schemas.microsoft.com/office/2006/metadata/properties" xmlns:ns3="6d418e1a-eaa6-4d78-85d6-8ff987fcc4fb" xmlns:ns4="11efdf23-670f-4f51-9032-81f6568c2010" targetNamespace="http://schemas.microsoft.com/office/2006/metadata/properties" ma:root="true" ma:fieldsID="e64ce72339b676947d103adb3e93dd3c" ns3:_="" ns4:_="">
     <xsd:import namespace="6d418e1a-eaa6-4d78-85d6-8ff987fcc4fb"/>
@@ -7355,15 +7822,6 @@
 </ct:contentTypeSchema>
 </file>
 
-<file path=customXml/item2.xml><?xml version="1.0" encoding="utf-8"?>
-<?mso-contentType ?>
-<FormTemplates xmlns="http://schemas.microsoft.com/sharepoint/v3/contenttype/forms">
-  <Display>DocumentLibraryForm</Display>
-  <Edit>DocumentLibraryForm</Edit>
-  <New>DocumentLibraryForm</New>
-</FormTemplates>
-</file>
-
 <file path=customXml/item3.xml><?xml version="1.0" encoding="utf-8"?>
 <p:properties xmlns:p="http://schemas.microsoft.com/office/2006/metadata/properties" xmlns:xsi="http://www.w3.org/2001/XMLSchema-instance" xmlns:pc="http://schemas.microsoft.com/office/infopath/2007/PartnerControls">
   <documentManagement>
@@ -7373,6 +7831,14 @@
 </file>
 
 <file path=customXml/itemProps1.xml><?xml version="1.0" encoding="utf-8"?>
+<ds:datastoreItem xmlns:ds="http://schemas.openxmlformats.org/officeDocument/2006/customXml" ds:itemID="{CAC63C60-A9EF-4E48-8241-D82CEA0E3189}">
+  <ds:schemaRefs>
+    <ds:schemaRef ds:uri="http://schemas.microsoft.com/sharepoint/v3/contenttype/forms"/>
+  </ds:schemaRefs>
+</ds:datastoreItem>
+</file>
+
+<file path=customXml/itemProps2.xml><?xml version="1.0" encoding="utf-8"?>
 <ds:datastoreItem xmlns:ds="http://schemas.openxmlformats.org/officeDocument/2006/customXml" ds:itemID="{DA0FBACA-E0E7-4D7F-8D25-5FD5F42EB7A9}">
   <ds:schemaRefs>
     <ds:schemaRef ds:uri="http://schemas.microsoft.com/office/2006/metadata/contentType"/>
@@ -7387,14 +7853,6 @@
     <ds:schemaRef ds:uri="http://purl.org/dc/elements/1.1/"/>
     <ds:schemaRef ds:uri="http://purl.org/dc/terms/"/>
     <ds:schemaRef ds:uri="http://schemas.microsoft.com/internal/obd"/>
-  </ds:schemaRefs>
-</ds:datastoreItem>
-</file>
-
-<file path=customXml/itemProps2.xml><?xml version="1.0" encoding="utf-8"?>
-<ds:datastoreItem xmlns:ds="http://schemas.openxmlformats.org/officeDocument/2006/customXml" ds:itemID="{CAC63C60-A9EF-4E48-8241-D82CEA0E3189}">
-  <ds:schemaRefs>
-    <ds:schemaRef ds:uri="http://schemas.microsoft.com/sharepoint/v3/contenttype/forms"/>
   </ds:schemaRefs>
 </ds:datastoreItem>
 </file>

--- a/BAH-Hackathon.pptx
+++ b/BAH-Hackathon.pptx
@@ -133,18 +133,18 @@
   <pc:docChgLst>
     <pc:chgData name="Lynn, Bri [USA]" userId="f8233e40-40d5-4c14-8525-6a2949782780" providerId="ADAL" clId="{42B9399C-ED19-4278-B0C0-55CA9E1A7E74}"/>
     <pc:docChg chg="undo custSel addSld delSld modSld">
-      <pc:chgData name="Lynn, Bri [USA]" userId="f8233e40-40d5-4c14-8525-6a2949782780" providerId="ADAL" clId="{42B9399C-ED19-4278-B0C0-55CA9E1A7E74}" dt="2025-06-04T10:22:59.947" v="1088" actId="1035"/>
+      <pc:chgData name="Lynn, Bri [USA]" userId="f8233e40-40d5-4c14-8525-6a2949782780" providerId="ADAL" clId="{42B9399C-ED19-4278-B0C0-55CA9E1A7E74}" dt="2025-06-04T11:57:40.683" v="1094" actId="20577"/>
       <pc:docMkLst>
         <pc:docMk/>
       </pc:docMkLst>
       <pc:sldChg chg="delSp modSp mod">
-        <pc:chgData name="Lynn, Bri [USA]" userId="f8233e40-40d5-4c14-8525-6a2949782780" providerId="ADAL" clId="{42B9399C-ED19-4278-B0C0-55CA9E1A7E74}" dt="2025-06-04T02:00:34.377" v="68" actId="404"/>
+        <pc:chgData name="Lynn, Bri [USA]" userId="f8233e40-40d5-4c14-8525-6a2949782780" providerId="ADAL" clId="{42B9399C-ED19-4278-B0C0-55CA9E1A7E74}" dt="2025-06-04T11:57:40.683" v="1094" actId="20577"/>
         <pc:sldMkLst>
           <pc:docMk/>
           <pc:sldMk cId="280970972" sldId="256"/>
         </pc:sldMkLst>
         <pc:spChg chg="mod">
-          <ac:chgData name="Lynn, Bri [USA]" userId="f8233e40-40d5-4c14-8525-6a2949782780" providerId="ADAL" clId="{42B9399C-ED19-4278-B0C0-55CA9E1A7E74}" dt="2025-06-04T02:00:34.377" v="68" actId="404"/>
+          <ac:chgData name="Lynn, Bri [USA]" userId="f8233e40-40d5-4c14-8525-6a2949782780" providerId="ADAL" clId="{42B9399C-ED19-4278-B0C0-55CA9E1A7E74}" dt="2025-06-04T11:57:40.683" v="1094" actId="20577"/>
           <ac:spMkLst>
             <pc:docMk/>
             <pc:sldMk cId="280970972" sldId="256"/>
@@ -6511,8 +6511,12 @@
           <a:lstStyle/>
           <a:p>
             <a:r>
+              <a:rPr lang="en-US" i="1"/>
+              <a:t>Carlos Arguello Ortiz, </a:t>
+            </a:r>
+            <a:r>
               <a:rPr lang="en-US" i="1" dirty="0"/>
-              <a:t>Carlos Arguello, Bri Lynn, Sydney Segear, Csaba Toth</a:t>
+              <a:t>Bri Lynn, Sydney Segear, Csaba Toth</a:t>
             </a:r>
           </a:p>
           <a:p>
@@ -7561,12 +7565,11 @@
 </file>
 
 <file path=customXml/item1.xml><?xml version="1.0" encoding="utf-8"?>
-<?mso-contentType ?>
-<FormTemplates xmlns="http://schemas.microsoft.com/sharepoint/v3/contenttype/forms">
-  <Display>DocumentLibraryForm</Display>
-  <Edit>DocumentLibraryForm</Edit>
-  <New>DocumentLibraryForm</New>
-</FormTemplates>
+<p:properties xmlns:p="http://schemas.microsoft.com/office/2006/metadata/properties" xmlns:xsi="http://www.w3.org/2001/XMLSchema-instance" xmlns:pc="http://schemas.microsoft.com/office/infopath/2007/PartnerControls">
+  <documentManagement>
+    <_activity xmlns="6d418e1a-eaa6-4d78-85d6-8ff987fcc4fb" xsi:nil="true"/>
+  </documentManagement>
+</p:properties>
 </file>
 
 <file path=customXml/item2.xml><?xml version="1.0" encoding="utf-8"?>
@@ -7823,17 +7826,27 @@
 </file>
 
 <file path=customXml/item3.xml><?xml version="1.0" encoding="utf-8"?>
-<p:properties xmlns:p="http://schemas.microsoft.com/office/2006/metadata/properties" xmlns:xsi="http://www.w3.org/2001/XMLSchema-instance" xmlns:pc="http://schemas.microsoft.com/office/infopath/2007/PartnerControls">
-  <documentManagement>
-    <_activity xmlns="6d418e1a-eaa6-4d78-85d6-8ff987fcc4fb" xsi:nil="true"/>
-  </documentManagement>
-</p:properties>
+<?mso-contentType ?>
+<FormTemplates xmlns="http://schemas.microsoft.com/sharepoint/v3/contenttype/forms">
+  <Display>DocumentLibraryForm</Display>
+  <Edit>DocumentLibraryForm</Edit>
+  <New>DocumentLibraryForm</New>
+</FormTemplates>
 </file>
 
 <file path=customXml/itemProps1.xml><?xml version="1.0" encoding="utf-8"?>
-<ds:datastoreItem xmlns:ds="http://schemas.openxmlformats.org/officeDocument/2006/customXml" ds:itemID="{CAC63C60-A9EF-4E48-8241-D82CEA0E3189}">
+<ds:datastoreItem xmlns:ds="http://schemas.openxmlformats.org/officeDocument/2006/customXml" ds:itemID="{697B8844-8E78-4EC0-924F-CAF4720B20B5}">
   <ds:schemaRefs>
-    <ds:schemaRef ds:uri="http://schemas.microsoft.com/sharepoint/v3/contenttype/forms"/>
+    <ds:schemaRef ds:uri="11efdf23-670f-4f51-9032-81f6568c2010"/>
+    <ds:schemaRef ds:uri="http://schemas.microsoft.com/office/infopath/2007/PartnerControls"/>
+    <ds:schemaRef ds:uri="http://schemas.microsoft.com/office/2006/documentManagement/types"/>
+    <ds:schemaRef ds:uri="http://purl.org/dc/terms/"/>
+    <ds:schemaRef ds:uri="http://purl.org/dc/elements/1.1/"/>
+    <ds:schemaRef ds:uri="http://www.w3.org/XML/1998/namespace"/>
+    <ds:schemaRef ds:uri="http://schemas.microsoft.com/office/2006/metadata/properties"/>
+    <ds:schemaRef ds:uri="http://purl.org/dc/dcmitype/"/>
+    <ds:schemaRef ds:uri="http://schemas.openxmlformats.org/package/2006/metadata/core-properties"/>
+    <ds:schemaRef ds:uri="6d418e1a-eaa6-4d78-85d6-8ff987fcc4fb"/>
   </ds:schemaRefs>
 </ds:datastoreItem>
 </file>
@@ -7858,18 +7871,9 @@
 </file>
 
 <file path=customXml/itemProps3.xml><?xml version="1.0" encoding="utf-8"?>
-<ds:datastoreItem xmlns:ds="http://schemas.openxmlformats.org/officeDocument/2006/customXml" ds:itemID="{697B8844-8E78-4EC0-924F-CAF4720B20B5}">
+<ds:datastoreItem xmlns:ds="http://schemas.openxmlformats.org/officeDocument/2006/customXml" ds:itemID="{CAC63C60-A9EF-4E48-8241-D82CEA0E3189}">
   <ds:schemaRefs>
-    <ds:schemaRef ds:uri="11efdf23-670f-4f51-9032-81f6568c2010"/>
-    <ds:schemaRef ds:uri="http://schemas.microsoft.com/office/infopath/2007/PartnerControls"/>
-    <ds:schemaRef ds:uri="http://schemas.microsoft.com/office/2006/documentManagement/types"/>
-    <ds:schemaRef ds:uri="http://purl.org/dc/terms/"/>
-    <ds:schemaRef ds:uri="http://purl.org/dc/elements/1.1/"/>
-    <ds:schemaRef ds:uri="http://www.w3.org/XML/1998/namespace"/>
-    <ds:schemaRef ds:uri="http://schemas.microsoft.com/office/2006/metadata/properties"/>
-    <ds:schemaRef ds:uri="http://purl.org/dc/dcmitype/"/>
-    <ds:schemaRef ds:uri="http://schemas.openxmlformats.org/package/2006/metadata/core-properties"/>
-    <ds:schemaRef ds:uri="6d418e1a-eaa6-4d78-85d6-8ff987fcc4fb"/>
+    <ds:schemaRef ds:uri="http://schemas.microsoft.com/sharepoint/v3/contenttype/forms"/>
   </ds:schemaRefs>
 </ds:datastoreItem>
 </file>

--- a/BAH-Hackathon.pptx
+++ b/BAH-Hackathon.pptx
@@ -6,12 +6,14 @@
   </p:sldMasterIdLst>
   <p:sldIdLst>
     <p:sldId id="256" r:id="rId5"/>
-    <p:sldId id="261" r:id="rId6"/>
-    <p:sldId id="260" r:id="rId7"/>
-    <p:sldId id="257" r:id="rId8"/>
-    <p:sldId id="262" r:id="rId9"/>
-    <p:sldId id="263" r:id="rId10"/>
-    <p:sldId id="258" r:id="rId11"/>
+    <p:sldId id="265" r:id="rId6"/>
+    <p:sldId id="261" r:id="rId7"/>
+    <p:sldId id="260" r:id="rId8"/>
+    <p:sldId id="257" r:id="rId9"/>
+    <p:sldId id="262" r:id="rId10"/>
+    <p:sldId id="263" r:id="rId11"/>
+    <p:sldId id="264" r:id="rId12"/>
+    <p:sldId id="258" r:id="rId13"/>
   </p:sldIdLst>
   <p:sldSz cx="12192000" cy="6858000"/>
   <p:notesSz cx="6858000" cy="9144000"/>
@@ -122,6 +124,7 @@
 <p1510:revInfo xmlns:a="http://schemas.openxmlformats.org/drawingml/2006/main" xmlns:r="http://schemas.openxmlformats.org/officeDocument/2006/relationships" xmlns:p1510="http://schemas.microsoft.com/office/powerpoint/2015/10/main">
   <p1510:revLst>
     <p1510:client id="{42B9399C-ED19-4278-B0C0-55CA9E1A7E74}" v="6" dt="2025-06-04T04:46:24.445"/>
+    <p1510:client id="{5B4B9CF2-E700-96F1-DDDB-93975A4F3215}" v="680" dt="2025-06-04T12:21:20.301"/>
     <p1510:client id="{E15549BD-68EE-A148-4A30-83BFA47F593C}" v="55" dt="2025-06-04T10:59:53.437"/>
     <p1510:client id="{E7F11880-124A-969A-FCD2-6045302AB46C}" v="240" dt="2025-06-04T08:02:06.603"/>
   </p1510:revLst>
@@ -376,6 +379,84 @@
             <ac:picMk id="4" creationId="{600793C2-0186-7AA9-43CD-DA2970662DB4}"/>
           </ac:picMkLst>
         </pc:picChg>
+      </pc:sldChg>
+    </pc:docChg>
+  </pc:docChgLst>
+  <pc:docChgLst>
+    <pc:chgData name="Arguello Ortiz, Carlos [USA]" userId="S::640013@bah.com::bc717afd-6b1b-4dde-b5fc-8cf54a23bd3a" providerId="AD" clId="Web-{5B4B9CF2-E700-96F1-DDDB-93975A4F3215}"/>
+    <pc:docChg chg="addSld modSld">
+      <pc:chgData name="Arguello Ortiz, Carlos [USA]" userId="S::640013@bah.com::bc717afd-6b1b-4dde-b5fc-8cf54a23bd3a" providerId="AD" clId="Web-{5B4B9CF2-E700-96F1-DDDB-93975A4F3215}" dt="2025-06-04T12:21:20.301" v="673" actId="20577"/>
+      <pc:docMkLst>
+        <pc:docMk/>
+      </pc:docMkLst>
+      <pc:sldChg chg="modSp">
+        <pc:chgData name="Arguello Ortiz, Carlos [USA]" userId="S::640013@bah.com::bc717afd-6b1b-4dde-b5fc-8cf54a23bd3a" providerId="AD" clId="Web-{5B4B9CF2-E700-96F1-DDDB-93975A4F3215}" dt="2025-06-04T12:12:02.563" v="283" actId="20577"/>
+        <pc:sldMkLst>
+          <pc:docMk/>
+          <pc:sldMk cId="2247121487" sldId="258"/>
+        </pc:sldMkLst>
+        <pc:spChg chg="mod">
+          <ac:chgData name="Arguello Ortiz, Carlos [USA]" userId="S::640013@bah.com::bc717afd-6b1b-4dde-b5fc-8cf54a23bd3a" providerId="AD" clId="Web-{5B4B9CF2-E700-96F1-DDDB-93975A4F3215}" dt="2025-06-04T12:12:02.563" v="283" actId="20577"/>
+          <ac:spMkLst>
+            <pc:docMk/>
+            <pc:sldMk cId="2247121487" sldId="258"/>
+            <ac:spMk id="3" creationId="{BB270152-3EFE-5DD5-236D-C20E751EA9A0}"/>
+          </ac:spMkLst>
+        </pc:spChg>
+      </pc:sldChg>
+      <pc:sldChg chg="addSp modSp new">
+        <pc:chgData name="Arguello Ortiz, Carlos [USA]" userId="S::640013@bah.com::bc717afd-6b1b-4dde-b5fc-8cf54a23bd3a" providerId="AD" clId="Web-{5B4B9CF2-E700-96F1-DDDB-93975A4F3215}" dt="2025-06-04T12:21:20.301" v="673" actId="20577"/>
+        <pc:sldMkLst>
+          <pc:docMk/>
+          <pc:sldMk cId="3205485916" sldId="264"/>
+        </pc:sldMkLst>
+        <pc:spChg chg="mod">
+          <ac:chgData name="Arguello Ortiz, Carlos [USA]" userId="S::640013@bah.com::bc717afd-6b1b-4dde-b5fc-8cf54a23bd3a" providerId="AD" clId="Web-{5B4B9CF2-E700-96F1-DDDB-93975A4F3215}" dt="2025-06-04T12:21:04.472" v="668" actId="20577"/>
+          <ac:spMkLst>
+            <pc:docMk/>
+            <pc:sldMk cId="3205485916" sldId="264"/>
+            <ac:spMk id="2" creationId="{33D62DC0-133C-EDF7-CF7B-E3F145251E77}"/>
+          </ac:spMkLst>
+        </pc:spChg>
+        <pc:spChg chg="mod">
+          <ac:chgData name="Arguello Ortiz, Carlos [USA]" userId="S::640013@bah.com::bc717afd-6b1b-4dde-b5fc-8cf54a23bd3a" providerId="AD" clId="Web-{5B4B9CF2-E700-96F1-DDDB-93975A4F3215}" dt="2025-06-04T12:21:20.301" v="673" actId="20577"/>
+          <ac:spMkLst>
+            <pc:docMk/>
+            <pc:sldMk cId="3205485916" sldId="264"/>
+            <ac:spMk id="3" creationId="{4188177F-4FC6-473E-E906-C83231D3EF08}"/>
+          </ac:spMkLst>
+        </pc:spChg>
+        <pc:picChg chg="add mod">
+          <ac:chgData name="Arguello Ortiz, Carlos [USA]" userId="S::640013@bah.com::bc717afd-6b1b-4dde-b5fc-8cf54a23bd3a" providerId="AD" clId="Web-{5B4B9CF2-E700-96F1-DDDB-93975A4F3215}" dt="2025-06-04T12:09:15.589" v="243" actId="1076"/>
+          <ac:picMkLst>
+            <pc:docMk/>
+            <pc:sldMk cId="3205485916" sldId="264"/>
+            <ac:picMk id="4" creationId="{7769B122-8AC8-C036-E230-5B289B664FC5}"/>
+          </ac:picMkLst>
+        </pc:picChg>
+      </pc:sldChg>
+      <pc:sldChg chg="modSp new">
+        <pc:chgData name="Arguello Ortiz, Carlos [USA]" userId="S::640013@bah.com::bc717afd-6b1b-4dde-b5fc-8cf54a23bd3a" providerId="AD" clId="Web-{5B4B9CF2-E700-96F1-DDDB-93975A4F3215}" dt="2025-06-04T12:20:26.940" v="663" actId="1076"/>
+        <pc:sldMkLst>
+          <pc:docMk/>
+          <pc:sldMk cId="4294119175" sldId="265"/>
+        </pc:sldMkLst>
+        <pc:spChg chg="mod">
+          <ac:chgData name="Arguello Ortiz, Carlos [USA]" userId="S::640013@bah.com::bc717afd-6b1b-4dde-b5fc-8cf54a23bd3a" providerId="AD" clId="Web-{5B4B9CF2-E700-96F1-DDDB-93975A4F3215}" dt="2025-06-04T12:18:40.764" v="571" actId="20577"/>
+          <ac:spMkLst>
+            <pc:docMk/>
+            <pc:sldMk cId="4294119175" sldId="265"/>
+            <ac:spMk id="2" creationId="{04A4114B-0245-6B43-30CA-269F7E945359}"/>
+          </ac:spMkLst>
+        </pc:spChg>
+        <pc:spChg chg="mod">
+          <ac:chgData name="Arguello Ortiz, Carlos [USA]" userId="S::640013@bah.com::bc717afd-6b1b-4dde-b5fc-8cf54a23bd3a" providerId="AD" clId="Web-{5B4B9CF2-E700-96F1-DDDB-93975A4F3215}" dt="2025-06-04T12:20:26.940" v="663" actId="1076"/>
+          <ac:spMkLst>
+            <pc:docMk/>
+            <pc:sldMk cId="4294119175" sldId="265"/>
+            <ac:spMk id="3" creationId="{81815DEF-822F-4848-AC0D-CD94701B5F9D}"/>
+          </ac:spMkLst>
+        </pc:spChg>
       </pc:sldChg>
     </pc:docChg>
   </pc:docChgLst>
@@ -6571,7 +6652,7 @@
           <p:cNvPr id="2" name="Title 1">
             <a:extLst>
               <a:ext uri="{FF2B5EF4-FFF2-40B4-BE49-F238E27FC236}">
-                <a16:creationId xmlns:a16="http://schemas.microsoft.com/office/drawing/2014/main" id="{CA21B196-7A99-A6E7-64FA-55D938962628}"/>
+                <a16:creationId xmlns:a16="http://schemas.microsoft.com/office/drawing/2014/main" id="{04A4114B-0245-6B43-30CA-269F7E945359}"/>
               </a:ext>
             </a:extLst>
           </p:cNvPr>
@@ -6589,7 +6670,7 @@
           <a:p>
             <a:r>
               <a:rPr lang="en-US" dirty="0"/>
-              <a:t>Decision Maker User Story</a:t>
+              <a:t>Project Goal: AI-driven public health sentinel</a:t>
             </a:r>
           </a:p>
         </p:txBody>
@@ -6599,7 +6680,7 @@
           <p:cNvPr id="3" name="Content Placeholder 2">
             <a:extLst>
               <a:ext uri="{FF2B5EF4-FFF2-40B4-BE49-F238E27FC236}">
-                <a16:creationId xmlns:a16="http://schemas.microsoft.com/office/drawing/2014/main" id="{E87B36E3-B3EC-BD22-84B3-48C3CB24EDC7}"/>
+                <a16:creationId xmlns:a16="http://schemas.microsoft.com/office/drawing/2014/main" id="{81815DEF-822F-4848-AC0D-CD94701B5F9D}"/>
               </a:ext>
             </a:extLst>
           </p:cNvPr>
@@ -6610,56 +6691,84 @@
             <p:ph idx="1"/>
           </p:nvPr>
         </p:nvSpPr>
-        <p:spPr/>
-        <p:txBody>
-          <a:bodyPr/>
+        <p:spPr>
+          <a:xfrm>
+            <a:off x="1484310" y="2436394"/>
+            <a:ext cx="10018713" cy="3585411"/>
+          </a:xfrm>
+        </p:spPr>
+        <p:txBody>
+          <a:bodyPr>
+            <a:normAutofit fontScale="92500"/>
+          </a:bodyPr>
           <a:lstStyle/>
           <a:p>
-            <a:pPr marL="457200" indent="-457200">
-              <a:buFont typeface="+mj-lt"/>
-              <a:buAutoNum type="arabicPeriod"/>
+            <a:pPr>
+              <a:buClr>
+                <a:srgbClr val="1287C3"/>
+              </a:buClr>
             </a:pPr>
             <a:r>
               <a:rPr lang="en-US" dirty="0"/>
-              <a:t>View status of public health risks, including health alerts and data trends</a:t>
-            </a:r>
-          </a:p>
-          <a:p>
-            <a:pPr marL="457200" indent="-457200">
-              <a:buFont typeface="+mj-lt"/>
-              <a:buAutoNum type="arabicPeriod"/>
+              <a:t>Motivation: During the COVID-19 emergency, conflicting messaging and lack of a centralized surveillance mechanism hindered the rapid response to rising cases and hospitalizations through the United States.</a:t>
+            </a:r>
+          </a:p>
+          <a:p>
+            <a:pPr>
+              <a:buClr>
+                <a:srgbClr val="1287C3"/>
+              </a:buClr>
             </a:pPr>
             <a:r>
               <a:rPr lang="en-US" dirty="0"/>
-              <a:t>Use AI to generate strategies to mitigate high risk alerts</a:t>
-            </a:r>
-          </a:p>
-          <a:p>
-            <a:pPr marL="457200" indent="-457200">
-              <a:buFont typeface="+mj-lt"/>
-              <a:buAutoNum type="arabicPeriod"/>
+              <a:t>Proposed solution: </a:t>
+            </a:r>
+            <a:r>
+              <a:rPr lang="en-US" b="1" i="1" dirty="0"/>
+              <a:t>AI-driven public health sentinel</a:t>
+            </a:r>
+            <a:r>
+              <a:rPr lang="en-US" dirty="0"/>
+              <a:t> - Agentic system that automates data collection, leverages tools for data analysis and provides risk levels/alerts and policy recommendations during public health emergencies.</a:t>
+            </a:r>
+          </a:p>
+          <a:p>
+            <a:pPr>
+              <a:buClr>
+                <a:srgbClr val="1287C3"/>
+              </a:buClr>
             </a:pPr>
             <a:r>
               <a:rPr lang="en-US" dirty="0"/>
-              <a:t>Use AI to generate policy document based on AI-generated strategy</a:t>
-            </a:r>
-          </a:p>
-          <a:p>
-            <a:pPr marL="457200" indent="-457200">
-              <a:buFont typeface="+mj-lt"/>
-              <a:buAutoNum type="arabicPeriod"/>
+              <a:t>Dataset: Leveraged historic COVID-19 relevant data (e.g., case counts, </a:t>
+            </a:r>
+            <a:r>
+              <a:rPr lang="en-US"/>
+              <a:t>hospitalizations). Data obtained from Delphi Group at Carnegie Mellon University </a:t>
+            </a:r>
+            <a:r>
+              <a:rPr lang="en-US" dirty="0">
+                <a:ea typeface="+mn-lt"/>
+                <a:cs typeface="+mn-lt"/>
+                <a:hlinkClick r:id="rId2"/>
+              </a:rPr>
+              <a:t>https://delphi.cmu.edu/about/</a:t>
+            </a:r>
+          </a:p>
+          <a:p>
+            <a:pPr>
+              <a:buClr>
+                <a:srgbClr val="1287C3"/>
+              </a:buClr>
             </a:pPr>
-            <a:r>
-              <a:rPr lang="en-US" dirty="0"/>
-              <a:t>Review, edit, and approve public health policy documents</a:t>
-            </a:r>
+            <a:endParaRPr lang="en-US" dirty="0"/>
           </a:p>
         </p:txBody>
       </p:sp>
     </p:spTree>
     <p:extLst>
       <p:ext uri="{BB962C8B-B14F-4D97-AF65-F5344CB8AC3E}">
-        <p14:creationId xmlns:p14="http://schemas.microsoft.com/office/powerpoint/2010/main" val="523765280"/>
+        <p14:creationId xmlns:p14="http://schemas.microsoft.com/office/powerpoint/2010/main" val="4294119175"/>
       </p:ext>
     </p:extLst>
   </p:cSld>
@@ -6691,6 +6800,126 @@
           <p:cNvPr id="2" name="Title 1">
             <a:extLst>
               <a:ext uri="{FF2B5EF4-FFF2-40B4-BE49-F238E27FC236}">
+                <a16:creationId xmlns:a16="http://schemas.microsoft.com/office/drawing/2014/main" id="{CA21B196-7A99-A6E7-64FA-55D938962628}"/>
+              </a:ext>
+            </a:extLst>
+          </p:cNvPr>
+          <p:cNvSpPr>
+            <a:spLocks noGrp="1"/>
+          </p:cNvSpPr>
+          <p:nvPr>
+            <p:ph type="title"/>
+          </p:nvPr>
+        </p:nvSpPr>
+        <p:spPr/>
+        <p:txBody>
+          <a:bodyPr/>
+          <a:lstStyle/>
+          <a:p>
+            <a:r>
+              <a:rPr lang="en-US" dirty="0"/>
+              <a:t>Decision Maker User Story</a:t>
+            </a:r>
+          </a:p>
+        </p:txBody>
+      </p:sp>
+      <p:sp>
+        <p:nvSpPr>
+          <p:cNvPr id="3" name="Content Placeholder 2">
+            <a:extLst>
+              <a:ext uri="{FF2B5EF4-FFF2-40B4-BE49-F238E27FC236}">
+                <a16:creationId xmlns:a16="http://schemas.microsoft.com/office/drawing/2014/main" id="{E87B36E3-B3EC-BD22-84B3-48C3CB24EDC7}"/>
+              </a:ext>
+            </a:extLst>
+          </p:cNvPr>
+          <p:cNvSpPr>
+            <a:spLocks noGrp="1"/>
+          </p:cNvSpPr>
+          <p:nvPr>
+            <p:ph idx="1"/>
+          </p:nvPr>
+        </p:nvSpPr>
+        <p:spPr/>
+        <p:txBody>
+          <a:bodyPr/>
+          <a:lstStyle/>
+          <a:p>
+            <a:pPr marL="457200" indent="-457200">
+              <a:buFont typeface="+mj-lt"/>
+              <a:buAutoNum type="arabicPeriod"/>
+            </a:pPr>
+            <a:r>
+              <a:rPr lang="en-US" dirty="0"/>
+              <a:t>View status of public health risks, including health alerts and data trends</a:t>
+            </a:r>
+          </a:p>
+          <a:p>
+            <a:pPr marL="457200" indent="-457200">
+              <a:buFont typeface="+mj-lt"/>
+              <a:buAutoNum type="arabicPeriod"/>
+            </a:pPr>
+            <a:r>
+              <a:rPr lang="en-US" dirty="0"/>
+              <a:t>Use AI to generate strategies to mitigate high risk alerts</a:t>
+            </a:r>
+          </a:p>
+          <a:p>
+            <a:pPr marL="457200" indent="-457200">
+              <a:buFont typeface="+mj-lt"/>
+              <a:buAutoNum type="arabicPeriod"/>
+            </a:pPr>
+            <a:r>
+              <a:rPr lang="en-US" dirty="0"/>
+              <a:t>Use AI to generate policy document based on AI-generated strategy</a:t>
+            </a:r>
+          </a:p>
+          <a:p>
+            <a:pPr marL="457200" indent="-457200">
+              <a:buFont typeface="+mj-lt"/>
+              <a:buAutoNum type="arabicPeriod"/>
+            </a:pPr>
+            <a:r>
+              <a:rPr lang="en-US" dirty="0"/>
+              <a:t>Review, edit, and approve public health policy documents</a:t>
+            </a:r>
+          </a:p>
+        </p:txBody>
+      </p:sp>
+    </p:spTree>
+    <p:extLst>
+      <p:ext uri="{BB962C8B-B14F-4D97-AF65-F5344CB8AC3E}">
+        <p14:creationId xmlns:p14="http://schemas.microsoft.com/office/powerpoint/2010/main" val="523765280"/>
+      </p:ext>
+    </p:extLst>
+  </p:cSld>
+  <p:clrMapOvr>
+    <a:masterClrMapping/>
+  </p:clrMapOvr>
+</p:sld>
+</file>
+
+<file path=ppt/slides/slide4.xml><?xml version="1.0" encoding="utf-8"?>
+<p:sld xmlns:a="http://schemas.openxmlformats.org/drawingml/2006/main" xmlns:r="http://schemas.openxmlformats.org/officeDocument/2006/relationships" xmlns:p="http://schemas.openxmlformats.org/presentationml/2006/main">
+  <p:cSld>
+    <p:spTree>
+      <p:nvGrpSpPr>
+        <p:cNvPr id="1" name=""/>
+        <p:cNvGrpSpPr/>
+        <p:nvPr/>
+      </p:nvGrpSpPr>
+      <p:grpSpPr>
+        <a:xfrm>
+          <a:off x="0" y="0"/>
+          <a:ext cx="0" cy="0"/>
+          <a:chOff x="0" y="0"/>
+          <a:chExt cx="0" cy="0"/>
+        </a:xfrm>
+      </p:grpSpPr>
+      <p:sp>
+        <p:nvSpPr>
+          <p:cNvPr id="2" name="Title 1">
+            <a:extLst>
+              <a:ext uri="{FF2B5EF4-FFF2-40B4-BE49-F238E27FC236}">
                 <a16:creationId xmlns:a16="http://schemas.microsoft.com/office/drawing/2014/main" id="{411B4677-7D18-5312-22A7-995ABA9AD28C}"/>
               </a:ext>
             </a:extLst>
@@ -6791,7 +7020,7 @@
 </p:sld>
 </file>
 
-<file path=ppt/slides/slide4.xml><?xml version="1.0" encoding="utf-8"?>
+<file path=ppt/slides/slide5.xml><?xml version="1.0" encoding="utf-8"?>
 <p:sld xmlns:a="http://schemas.openxmlformats.org/drawingml/2006/main" xmlns:r="http://schemas.openxmlformats.org/officeDocument/2006/relationships" xmlns:p="http://schemas.openxmlformats.org/presentationml/2006/main">
   <p:cSld>
     <p:spTree>
@@ -6879,7 +7108,7 @@
 </p:sld>
 </file>
 
-<file path=ppt/slides/slide5.xml><?xml version="1.0" encoding="utf-8"?>
+<file path=ppt/slides/slide6.xml><?xml version="1.0" encoding="utf-8"?>
 <p:sld xmlns:a="http://schemas.openxmlformats.org/drawingml/2006/main" xmlns:r="http://schemas.openxmlformats.org/officeDocument/2006/relationships" xmlns:p="http://schemas.openxmlformats.org/presentationml/2006/main">
   <p:cSld>
     <p:spTree>
@@ -6973,7 +7202,7 @@
 </p:sld>
 </file>
 
-<file path=ppt/slides/slide6.xml><?xml version="1.0" encoding="utf-8"?>
+<file path=ppt/slides/slide7.xml><?xml version="1.0" encoding="utf-8"?>
 <p:sld xmlns:a="http://schemas.openxmlformats.org/drawingml/2006/main" xmlns:r="http://schemas.openxmlformats.org/officeDocument/2006/relationships" xmlns:p="http://schemas.openxmlformats.org/presentationml/2006/main">
   <p:cSld>
     <p:spTree>
@@ -7067,7 +7296,7 @@
 </p:sld>
 </file>
 
-<file path=ppt/slides/slide7.xml><?xml version="1.0" encoding="utf-8"?>
+<file path=ppt/slides/slide8.xml><?xml version="1.0" encoding="utf-8"?>
 <p:sld xmlns:a="http://schemas.openxmlformats.org/drawingml/2006/main" xmlns:r="http://schemas.openxmlformats.org/officeDocument/2006/relationships" xmlns:p="http://schemas.openxmlformats.org/presentationml/2006/main">
   <p:cSld>
     <p:spTree>
@@ -7089,6 +7318,154 @@
           <p:cNvPr id="2" name="Title 1">
             <a:extLst>
               <a:ext uri="{FF2B5EF4-FFF2-40B4-BE49-F238E27FC236}">
+                <a16:creationId xmlns:a16="http://schemas.microsoft.com/office/drawing/2014/main" id="{33D62DC0-133C-EDF7-CF7B-E3F145251E77}"/>
+              </a:ext>
+            </a:extLst>
+          </p:cNvPr>
+          <p:cNvSpPr>
+            <a:spLocks noGrp="1"/>
+          </p:cNvSpPr>
+          <p:nvPr>
+            <p:ph type="title"/>
+          </p:nvPr>
+        </p:nvSpPr>
+        <p:spPr>
+          <a:xfrm>
+            <a:off x="1540755" y="-227895"/>
+            <a:ext cx="10018713" cy="1752599"/>
+          </a:xfrm>
+        </p:spPr>
+        <p:txBody>
+          <a:bodyPr/>
+          <a:lstStyle/>
+          <a:p>
+            <a:r>
+              <a:rPr lang="en-US" dirty="0"/>
+              <a:t>Anomaly/Trend Detection Agentic Tool</a:t>
+            </a:r>
+          </a:p>
+        </p:txBody>
+      </p:sp>
+      <p:sp>
+        <p:nvSpPr>
+          <p:cNvPr id="3" name="Content Placeholder 2">
+            <a:extLst>
+              <a:ext uri="{FF2B5EF4-FFF2-40B4-BE49-F238E27FC236}">
+                <a16:creationId xmlns:a16="http://schemas.microsoft.com/office/drawing/2014/main" id="{4188177F-4FC6-473E-E906-C83231D3EF08}"/>
+              </a:ext>
+            </a:extLst>
+          </p:cNvPr>
+          <p:cNvSpPr>
+            <a:spLocks noGrp="1"/>
+          </p:cNvSpPr>
+          <p:nvPr>
+            <p:ph idx="1"/>
+          </p:nvPr>
+        </p:nvSpPr>
+        <p:spPr>
+          <a:xfrm>
+            <a:off x="1272643" y="860777"/>
+            <a:ext cx="10803364" cy="3124201"/>
+          </a:xfrm>
+        </p:spPr>
+        <p:txBody>
+          <a:bodyPr/>
+          <a:lstStyle/>
+          <a:p>
+            <a:r>
+              <a:rPr lang="en-US" dirty="0"/>
+              <a:t>Possible to select between statistical methods (parametric) and ML driven methods (e.g., isolation forest)</a:t>
+            </a:r>
+          </a:p>
+          <a:p>
+            <a:pPr>
+              <a:buClr>
+                <a:srgbClr val="1287C3"/>
+              </a:buClr>
+            </a:pPr>
+            <a:r>
+              <a:rPr lang="en-US" dirty="0"/>
+              <a:t>Settled for light-weight, interpretable methods: regression in log-transformed data (data has only positive values) and z-score deviations.</a:t>
+            </a:r>
+          </a:p>
+          <a:p>
+            <a:pPr>
+              <a:buClr>
+                <a:srgbClr val="1287C3"/>
+              </a:buClr>
+            </a:pPr>
+            <a:r>
+              <a:rPr lang="en-US" dirty="0"/>
+              <a:t>Considered more sophisticated approaches (Kalman Filters). However, more complex approach required further estimation of model parameters that complicated entire pipeline.</a:t>
+            </a:r>
+          </a:p>
+        </p:txBody>
+      </p:sp>
+      <p:pic>
+        <p:nvPicPr>
+          <p:cNvPr id="4" name="Picture 3" descr="A graph with a line graph&#10;&#10;AI-generated content may be incorrect.">
+            <a:extLst>
+              <a:ext uri="{FF2B5EF4-FFF2-40B4-BE49-F238E27FC236}">
+                <a16:creationId xmlns:a16="http://schemas.microsoft.com/office/drawing/2014/main" id="{7769B122-8AC8-C036-E230-5B289B664FC5}"/>
+              </a:ext>
+            </a:extLst>
+          </p:cNvPr>
+          <p:cNvPicPr>
+            <a:picLocks noChangeAspect="1"/>
+          </p:cNvPicPr>
+          <p:nvPr/>
+        </p:nvPicPr>
+        <p:blipFill>
+          <a:blip r:embed="rId2"/>
+          <a:stretch>
+            <a:fillRect/>
+          </a:stretch>
+        </p:blipFill>
+        <p:spPr>
+          <a:xfrm>
+            <a:off x="2293055" y="3985833"/>
+            <a:ext cx="8509001" cy="2597557"/>
+          </a:xfrm>
+          <a:prstGeom prst="rect">
+            <a:avLst/>
+          </a:prstGeom>
+        </p:spPr>
+      </p:pic>
+    </p:spTree>
+    <p:extLst>
+      <p:ext uri="{BB962C8B-B14F-4D97-AF65-F5344CB8AC3E}">
+        <p14:creationId xmlns:p14="http://schemas.microsoft.com/office/powerpoint/2010/main" val="3205485916"/>
+      </p:ext>
+    </p:extLst>
+  </p:cSld>
+  <p:clrMapOvr>
+    <a:masterClrMapping/>
+  </p:clrMapOvr>
+</p:sld>
+</file>
+
+<file path=ppt/slides/slide9.xml><?xml version="1.0" encoding="utf-8"?>
+<p:sld xmlns:a="http://schemas.openxmlformats.org/drawingml/2006/main" xmlns:r="http://schemas.openxmlformats.org/officeDocument/2006/relationships" xmlns:p="http://schemas.openxmlformats.org/presentationml/2006/main">
+  <p:cSld>
+    <p:spTree>
+      <p:nvGrpSpPr>
+        <p:cNvPr id="1" name=""/>
+        <p:cNvGrpSpPr/>
+        <p:nvPr/>
+      </p:nvGrpSpPr>
+      <p:grpSpPr>
+        <a:xfrm>
+          <a:off x="0" y="0"/>
+          <a:ext cx="0" cy="0"/>
+          <a:chOff x="0" y="0"/>
+          <a:chExt cx="0" cy="0"/>
+        </a:xfrm>
+      </p:grpSpPr>
+      <p:sp>
+        <p:nvSpPr>
+          <p:cNvPr id="2" name="Title 1">
+            <a:extLst>
+              <a:ext uri="{FF2B5EF4-FFF2-40B4-BE49-F238E27FC236}">
                 <a16:creationId xmlns:a16="http://schemas.microsoft.com/office/drawing/2014/main" id="{411B4677-7D18-5312-22A7-995ABA9AD28C}"/>
               </a:ext>
             </a:extLst>
@@ -7136,7 +7513,7 @@
         </p:spPr>
         <p:txBody>
           <a:bodyPr>
-            <a:normAutofit lnSpcReduction="10000"/>
+            <a:normAutofit fontScale="92500" lnSpcReduction="20000"/>
           </a:bodyPr>
           <a:lstStyle/>
           <a:p>
@@ -7242,6 +7619,42 @@
               <a:rPr lang="en-US" dirty="0"/>
               <a:t>Checkpointing and memory: PostgreSQL</a:t>
             </a:r>
+          </a:p>
+          <a:p>
+            <a:pPr>
+              <a:buClr>
+                <a:srgbClr val="1287C3"/>
+              </a:buClr>
+            </a:pPr>
+            <a:r>
+              <a:rPr lang="en-US" dirty="0"/>
+              <a:t>Data Source: Delphi </a:t>
+            </a:r>
+            <a:r>
+              <a:rPr lang="en-US" err="1"/>
+              <a:t>Epidata</a:t>
+            </a:r>
+            <a:r>
+              <a:rPr lang="en-US" dirty="0"/>
+              <a:t> </a:t>
+            </a:r>
+            <a:r>
+              <a:rPr lang="en-US" err="1"/>
+              <a:t>Covidcast</a:t>
+            </a:r>
+            <a:r>
+              <a:rPr lang="en-US" dirty="0"/>
+              <a:t> – CMU group: </a:t>
+            </a:r>
+            <a:r>
+              <a:rPr lang="en-US" dirty="0">
+                <a:ea typeface="+mn-lt"/>
+                <a:cs typeface="+mn-lt"/>
+                <a:hlinkClick r:id="rId2"/>
+              </a:rPr>
+              <a:t>https://delphi.cmu.edu/about/</a:t>
+            </a:r>
+            <a:endParaRPr lang="en-US" dirty="0"/>
           </a:p>
           <a:p>
             <a:pPr lvl="1">
@@ -7267,7 +7680,7 @@
             </a:r>
             <a:r>
               <a:rPr lang="en-US" sz="2000" dirty="0">
-                <a:hlinkClick r:id="rId2"/>
+                <a:hlinkClick r:id="rId3"/>
               </a:rPr>
               <a:t>https://github.com/bah-scsp-hackathon-2025/public-health-app</a:t>
             </a:r>
@@ -7287,7 +7700,7 @@
             </a:r>
             <a:r>
               <a:rPr lang="en-US" sz="2000" dirty="0">
-                <a:hlinkClick r:id="rId3"/>
+                <a:hlinkClick r:id="rId4"/>
               </a:rPr>
               <a:t>https://github.com/bah-scsp-hackathon-2025/public-health-app/blob/main/BAH-Hackathon.pptx</a:t>
             </a:r>
@@ -7565,14 +7978,6 @@
 </file>
 
 <file path=customXml/item1.xml><?xml version="1.0" encoding="utf-8"?>
-<p:properties xmlns:p="http://schemas.microsoft.com/office/2006/metadata/properties" xmlns:xsi="http://www.w3.org/2001/XMLSchema-instance" xmlns:pc="http://schemas.microsoft.com/office/infopath/2007/PartnerControls">
-  <documentManagement>
-    <_activity xmlns="6d418e1a-eaa6-4d78-85d6-8ff987fcc4fb" xsi:nil="true"/>
-  </documentManagement>
-</p:properties>
-</file>
-
-<file path=customXml/item2.xml><?xml version="1.0" encoding="utf-8"?>
 <ct:contentTypeSchema xmlns:ct="http://schemas.microsoft.com/office/2006/metadata/contentType" xmlns:ma="http://schemas.microsoft.com/office/2006/metadata/properties/metaAttributes" ct:_="" ma:_="" ma:contentTypeName="Document" ma:contentTypeID="0x01010001129183E676844C97FCA5BC7F26B41F" ma:contentTypeVersion="18" ma:contentTypeDescription="Create a new document." ma:contentTypeScope="" ma:versionID="78cbdd4ef415c6e4fbaee3c208efec8f">
   <xsd:schema xmlns:xsd="http://www.w3.org/2001/XMLSchema" xmlns:xs="http://www.w3.org/2001/XMLSchema" xmlns:p="http://schemas.microsoft.com/office/2006/metadata/properties" xmlns:ns3="6d418e1a-eaa6-4d78-85d6-8ff987fcc4fb" xmlns:ns4="11efdf23-670f-4f51-9032-81f6568c2010" targetNamespace="http://schemas.microsoft.com/office/2006/metadata/properties" ma:root="true" ma:fieldsID="e64ce72339b676947d103adb3e93dd3c" ns3:_="" ns4:_="">
     <xsd:import namespace="6d418e1a-eaa6-4d78-85d6-8ff987fcc4fb"/>
@@ -7825,6 +8230,14 @@
 </ct:contentTypeSchema>
 </file>
 
+<file path=customXml/item2.xml><?xml version="1.0" encoding="utf-8"?>
+<p:properties xmlns:p="http://schemas.microsoft.com/office/2006/metadata/properties" xmlns:xsi="http://www.w3.org/2001/XMLSchema-instance" xmlns:pc="http://schemas.microsoft.com/office/infopath/2007/PartnerControls">
+  <documentManagement>
+    <_activity xmlns="6d418e1a-eaa6-4d78-85d6-8ff987fcc4fb" xsi:nil="true"/>
+  </documentManagement>
+</p:properties>
+</file>
+
 <file path=customXml/item3.xml><?xml version="1.0" encoding="utf-8"?>
 <?mso-contentType ?>
 <FormTemplates xmlns="http://schemas.microsoft.com/sharepoint/v3/contenttype/forms">
@@ -7835,23 +8248,6 @@
 </file>
 
 <file path=customXml/itemProps1.xml><?xml version="1.0" encoding="utf-8"?>
-<ds:datastoreItem xmlns:ds="http://schemas.openxmlformats.org/officeDocument/2006/customXml" ds:itemID="{697B8844-8E78-4EC0-924F-CAF4720B20B5}">
-  <ds:schemaRefs>
-    <ds:schemaRef ds:uri="11efdf23-670f-4f51-9032-81f6568c2010"/>
-    <ds:schemaRef ds:uri="http://schemas.microsoft.com/office/infopath/2007/PartnerControls"/>
-    <ds:schemaRef ds:uri="http://schemas.microsoft.com/office/2006/documentManagement/types"/>
-    <ds:schemaRef ds:uri="http://purl.org/dc/terms/"/>
-    <ds:schemaRef ds:uri="http://purl.org/dc/elements/1.1/"/>
-    <ds:schemaRef ds:uri="http://www.w3.org/XML/1998/namespace"/>
-    <ds:schemaRef ds:uri="http://schemas.microsoft.com/office/2006/metadata/properties"/>
-    <ds:schemaRef ds:uri="http://purl.org/dc/dcmitype/"/>
-    <ds:schemaRef ds:uri="http://schemas.openxmlformats.org/package/2006/metadata/core-properties"/>
-    <ds:schemaRef ds:uri="6d418e1a-eaa6-4d78-85d6-8ff987fcc4fb"/>
-  </ds:schemaRefs>
-</ds:datastoreItem>
-</file>
-
-<file path=customXml/itemProps2.xml><?xml version="1.0" encoding="utf-8"?>
 <ds:datastoreItem xmlns:ds="http://schemas.openxmlformats.org/officeDocument/2006/customXml" ds:itemID="{DA0FBACA-E0E7-4D7F-8D25-5FD5F42EB7A9}">
   <ds:schemaRefs>
     <ds:schemaRef ds:uri="http://schemas.microsoft.com/office/2006/metadata/contentType"/>
@@ -7870,6 +8266,23 @@
 </ds:datastoreItem>
 </file>
 
+<file path=customXml/itemProps2.xml><?xml version="1.0" encoding="utf-8"?>
+<ds:datastoreItem xmlns:ds="http://schemas.openxmlformats.org/officeDocument/2006/customXml" ds:itemID="{697B8844-8E78-4EC0-924F-CAF4720B20B5}">
+  <ds:schemaRefs>
+    <ds:schemaRef ds:uri="11efdf23-670f-4f51-9032-81f6568c2010"/>
+    <ds:schemaRef ds:uri="http://schemas.microsoft.com/office/infopath/2007/PartnerControls"/>
+    <ds:schemaRef ds:uri="http://schemas.microsoft.com/office/2006/documentManagement/types"/>
+    <ds:schemaRef ds:uri="http://purl.org/dc/terms/"/>
+    <ds:schemaRef ds:uri="http://purl.org/dc/elements/1.1/"/>
+    <ds:schemaRef ds:uri="http://www.w3.org/XML/1998/namespace"/>
+    <ds:schemaRef ds:uri="http://schemas.microsoft.com/office/2006/metadata/properties"/>
+    <ds:schemaRef ds:uri="http://purl.org/dc/dcmitype/"/>
+    <ds:schemaRef ds:uri="http://schemas.openxmlformats.org/package/2006/metadata/core-properties"/>
+    <ds:schemaRef ds:uri="6d418e1a-eaa6-4d78-85d6-8ff987fcc4fb"/>
+  </ds:schemaRefs>
+</ds:datastoreItem>
+</file>
+
 <file path=customXml/itemProps3.xml><?xml version="1.0" encoding="utf-8"?>
 <ds:datastoreItem xmlns:ds="http://schemas.openxmlformats.org/officeDocument/2006/customXml" ds:itemID="{CAC63C60-A9EF-4E48-8241-D82CEA0E3189}">
   <ds:schemaRefs>
